--- a/Presentations/Looping.pptx
+++ b/Presentations/Looping.pptx
@@ -208,7 +208,7 @@
             <a:fld id="{592E98D9-1F39-4B91-82BD-1A0DC8E2FE15}" type="datetimeFigureOut">
               <a:rPr lang="en-US" smtClean="0"/>
               <a:pPr/>
-              <a:t>7/3/2019</a:t>
+              <a:t>7/11/2019</a:t>
             </a:fld>
             <a:endParaRPr lang="en-US"/>
           </a:p>
@@ -738,7 +738,7 @@
             <a:fld id="{79E9B79B-88A5-47F0-96C6-CB46744F743E}" type="datetimeFigureOut">
               <a:rPr lang="en-US" smtClean="0"/>
               <a:pPr/>
-              <a:t>7/3/2019</a:t>
+              <a:t>7/11/2019</a:t>
             </a:fld>
             <a:endParaRPr lang="en-US"/>
           </a:p>
@@ -905,7 +905,7 @@
             <a:fld id="{79E9B79B-88A5-47F0-96C6-CB46744F743E}" type="datetimeFigureOut">
               <a:rPr lang="en-US" smtClean="0"/>
               <a:pPr/>
-              <a:t>7/3/2019</a:t>
+              <a:t>7/11/2019</a:t>
             </a:fld>
             <a:endParaRPr lang="en-US"/>
           </a:p>
@@ -1082,7 +1082,7 @@
             <a:fld id="{79E9B79B-88A5-47F0-96C6-CB46744F743E}" type="datetimeFigureOut">
               <a:rPr lang="en-US" smtClean="0"/>
               <a:pPr/>
-              <a:t>7/3/2019</a:t>
+              <a:t>7/11/2019</a:t>
             </a:fld>
             <a:endParaRPr lang="en-US"/>
           </a:p>
@@ -1249,7 +1249,7 @@
             <a:fld id="{79E9B79B-88A5-47F0-96C6-CB46744F743E}" type="datetimeFigureOut">
               <a:rPr lang="en-US" smtClean="0"/>
               <a:pPr/>
-              <a:t>7/3/2019</a:t>
+              <a:t>7/11/2019</a:t>
             </a:fld>
             <a:endParaRPr lang="en-US"/>
           </a:p>
@@ -1492,7 +1492,7 @@
             <a:fld id="{79E9B79B-88A5-47F0-96C6-CB46744F743E}" type="datetimeFigureOut">
               <a:rPr lang="en-US" smtClean="0"/>
               <a:pPr/>
-              <a:t>7/3/2019</a:t>
+              <a:t>7/11/2019</a:t>
             </a:fld>
             <a:endParaRPr lang="en-US"/>
           </a:p>
@@ -1777,7 +1777,7 @@
             <a:fld id="{79E9B79B-88A5-47F0-96C6-CB46744F743E}" type="datetimeFigureOut">
               <a:rPr lang="en-US" smtClean="0"/>
               <a:pPr/>
-              <a:t>7/3/2019</a:t>
+              <a:t>7/11/2019</a:t>
             </a:fld>
             <a:endParaRPr lang="en-US"/>
           </a:p>
@@ -2196,7 +2196,7 @@
             <a:fld id="{79E9B79B-88A5-47F0-96C6-CB46744F743E}" type="datetimeFigureOut">
               <a:rPr lang="en-US" smtClean="0"/>
               <a:pPr/>
-              <a:t>7/3/2019</a:t>
+              <a:t>7/11/2019</a:t>
             </a:fld>
             <a:endParaRPr lang="en-US"/>
           </a:p>
@@ -2311,7 +2311,7 @@
             <a:fld id="{79E9B79B-88A5-47F0-96C6-CB46744F743E}" type="datetimeFigureOut">
               <a:rPr lang="en-US" smtClean="0"/>
               <a:pPr/>
-              <a:t>7/3/2019</a:t>
+              <a:t>7/11/2019</a:t>
             </a:fld>
             <a:endParaRPr lang="en-US"/>
           </a:p>
@@ -2403,7 +2403,7 @@
             <a:fld id="{79E9B79B-88A5-47F0-96C6-CB46744F743E}" type="datetimeFigureOut">
               <a:rPr lang="en-US" smtClean="0"/>
               <a:pPr/>
-              <a:t>7/3/2019</a:t>
+              <a:t>7/11/2019</a:t>
             </a:fld>
             <a:endParaRPr lang="en-US"/>
           </a:p>
@@ -2677,7 +2677,7 @@
             <a:fld id="{79E9B79B-88A5-47F0-96C6-CB46744F743E}" type="datetimeFigureOut">
               <a:rPr lang="en-US" smtClean="0"/>
               <a:pPr/>
-              <a:t>7/3/2019</a:t>
+              <a:t>7/11/2019</a:t>
             </a:fld>
             <a:endParaRPr lang="en-US"/>
           </a:p>
@@ -2927,7 +2927,7 @@
             <a:fld id="{79E9B79B-88A5-47F0-96C6-CB46744F743E}" type="datetimeFigureOut">
               <a:rPr lang="en-US" smtClean="0"/>
               <a:pPr/>
-              <a:t>7/3/2019</a:t>
+              <a:t>7/11/2019</a:t>
             </a:fld>
             <a:endParaRPr lang="en-US"/>
           </a:p>
@@ -3137,7 +3137,7 @@
             <a:fld id="{79E9B79B-88A5-47F0-96C6-CB46744F743E}" type="datetimeFigureOut">
               <a:rPr lang="en-US" smtClean="0"/>
               <a:pPr/>
-              <a:t>7/3/2019</a:t>
+              <a:t>7/11/2019</a:t>
             </a:fld>
             <a:endParaRPr lang="en-US"/>
           </a:p>
@@ -4472,7 +4472,7 @@
             </a:ln>
             <a:extLst>
               <a:ext uri="{91240B29-F687-4f45-9708-019B960494DF}">
-                <a14:hiddenLine xmlns:a14="http://schemas.microsoft.com/office/drawing/2010/main" xmlns="" w="25400" cap="flat">
+                <a14:hiddenLine xmlns="" xmlns:a14="http://schemas.microsoft.com/office/drawing/2010/main" w="25400" cap="flat">
                   <a:solidFill>
                     <a:srgbClr val="000000"/>
                   </a:solidFill>
@@ -4842,7 +4842,7 @@
             </a:ln>
             <a:extLst>
               <a:ext uri="{91240B29-F687-4f45-9708-019B960494DF}">
-                <a14:hiddenLine xmlns:a14="http://schemas.microsoft.com/office/drawing/2010/main" xmlns="" w="25400" cap="flat">
+                <a14:hiddenLine xmlns="" xmlns:a14="http://schemas.microsoft.com/office/drawing/2010/main" w="25400" cap="flat">
                   <a:solidFill>
                     <a:srgbClr val="000000"/>
                   </a:solidFill>
@@ -4940,7 +4940,7 @@
             </a:ln>
             <a:extLst>
               <a:ext uri="{91240B29-F687-4f45-9708-019B960494DF}">
-                <a14:hiddenLine xmlns:a14="http://schemas.microsoft.com/office/drawing/2010/main" xmlns="" w="25400" cap="flat">
+                <a14:hiddenLine xmlns="" xmlns:a14="http://schemas.microsoft.com/office/drawing/2010/main" w="25400" cap="flat">
                   <a:solidFill>
                     <a:srgbClr val="000000"/>
                   </a:solidFill>
@@ -4996,7 +4996,7 @@
             </a:ln>
             <a:extLst>
               <a:ext uri="{91240B29-F687-4f45-9708-019B960494DF}">
-                <a14:hiddenLine xmlns:a14="http://schemas.microsoft.com/office/drawing/2010/main" xmlns="" w="25400" cap="flat">
+                <a14:hiddenLine xmlns="" xmlns:a14="http://schemas.microsoft.com/office/drawing/2010/main" w="25400" cap="flat">
                   <a:solidFill>
                     <a:srgbClr val="000000"/>
                   </a:solidFill>
@@ -5052,7 +5052,7 @@
             </a:ln>
             <a:extLst>
               <a:ext uri="{91240B29-F687-4f45-9708-019B960494DF}">
-                <a14:hiddenLine xmlns:a14="http://schemas.microsoft.com/office/drawing/2010/main" xmlns="" w="25400" cap="flat">
+                <a14:hiddenLine xmlns="" xmlns:a14="http://schemas.microsoft.com/office/drawing/2010/main" w="25400" cap="flat">
                   <a:solidFill>
                     <a:srgbClr val="000000"/>
                   </a:solidFill>
@@ -5211,9 +5211,18 @@
           <a:p>
             <a:r>
               <a:rPr lang="en-US" sz="2800" dirty="0" smtClean="0">
+                <a:solidFill>
+                  <a:srgbClr val="FF0000"/>
+                </a:solidFill>
                 <a:ea typeface="MS PGothic" pitchFamily="34" charset="-128"/>
               </a:rPr>
-              <a:t>while </a:t>
+              <a:t>while</a:t>
+            </a:r>
+            <a:r>
+              <a:rPr lang="en-US" sz="2800" dirty="0" smtClean="0">
+                <a:ea typeface="MS PGothic" pitchFamily="34" charset="-128"/>
+              </a:rPr>
+              <a:t> </a:t>
             </a:r>
             <a:r>
               <a:rPr lang="en-US" sz="2800" dirty="0" smtClean="0">
@@ -5256,15 +5265,39 @@
               <a:rPr lang="en-US" sz="2800" dirty="0" smtClean="0">
                 <a:ea typeface="MS PGothic" pitchFamily="34" charset="-128"/>
               </a:rPr>
-              <a:t>    if no ==5 : </a:t>
-            </a:r>
-          </a:p>
-          <a:p>
+              <a:t>    </a:t>
+            </a:r>
+            <a:r>
+              <a:rPr lang="en-US" sz="2800" dirty="0" smtClean="0">
+                <a:solidFill>
+                  <a:srgbClr val="FF0000"/>
+                </a:solidFill>
+                <a:ea typeface="MS PGothic" pitchFamily="34" charset="-128"/>
+              </a:rPr>
+              <a:t>if</a:t>
+            </a:r>
             <a:r>
               <a:rPr lang="en-US" sz="2800" dirty="0" smtClean="0">
                 <a:ea typeface="MS PGothic" pitchFamily="34" charset="-128"/>
               </a:rPr>
-              <a:t>       break</a:t>
+              <a:t> no ==5 : </a:t>
+            </a:r>
+          </a:p>
+          <a:p>
+            <a:r>
+              <a:rPr lang="en-US" sz="2800" dirty="0" smtClean="0">
+                <a:ea typeface="MS PGothic" pitchFamily="34" charset="-128"/>
+              </a:rPr>
+              <a:t>       </a:t>
+            </a:r>
+            <a:r>
+              <a:rPr lang="en-US" sz="2800" dirty="0" smtClean="0">
+                <a:solidFill>
+                  <a:srgbClr val="FF0000"/>
+                </a:solidFill>
+                <a:ea typeface="MS PGothic" pitchFamily="34" charset="-128"/>
+              </a:rPr>
+              <a:t>break</a:t>
             </a:r>
           </a:p>
           <a:p>
@@ -7016,19 +7049,31 @@
               <a:rPr lang="en-US" dirty="0" smtClean="0"/>
               <a:t>n=0</a:t>
             </a:r>
-            <a:endParaRPr lang="en-US" dirty="0" smtClean="0"/>
           </a:p>
           <a:p>
             <a:pPr>
               <a:buNone/>
             </a:pPr>
             <a:r>
+              <a:rPr lang="en-US" dirty="0" smtClean="0">
+                <a:solidFill>
+                  <a:srgbClr val="FF0000"/>
+                </a:solidFill>
+              </a:rPr>
+              <a:t>while</a:t>
+            </a:r>
+            <a:r>
               <a:rPr lang="en-US" dirty="0" smtClean="0"/>
-              <a:t>while(n&lt;100</a:t>
-            </a:r>
+              <a:t>(n&lt;100):</a:t>
+            </a:r>
+          </a:p>
+          <a:p>
+            <a:pPr>
+              <a:buNone/>
+            </a:pPr>
             <a:r>
               <a:rPr lang="en-US" dirty="0" smtClean="0"/>
-              <a:t>):</a:t>
+              <a:t>	n = n+1</a:t>
             </a:r>
           </a:p>
           <a:p>
@@ -7037,60 +7082,46 @@
             </a:pPr>
             <a:r>
               <a:rPr lang="en-US" dirty="0" smtClean="0"/>
-              <a:t>	</a:t>
+              <a:t>    </a:t>
+            </a:r>
+            <a:r>
+              <a:rPr lang="en-US" dirty="0" smtClean="0">
+                <a:solidFill>
+                  <a:srgbClr val="FF0000"/>
+                </a:solidFill>
+              </a:rPr>
+              <a:t>if</a:t>
             </a:r>
             <a:r>
               <a:rPr lang="en-US" dirty="0" smtClean="0"/>
-              <a:t>n </a:t>
-            </a:r>
+              <a:t>(n%2==0):</a:t>
+            </a:r>
+          </a:p>
+          <a:p>
+            <a:pPr>
+              <a:buNone/>
+            </a:pPr>
             <a:r>
               <a:rPr lang="en-US" dirty="0" smtClean="0"/>
-              <a:t>= </a:t>
-            </a:r>
+              <a:t>		</a:t>
+            </a:r>
+            <a:r>
+              <a:rPr lang="en-US" dirty="0" smtClean="0">
+                <a:solidFill>
+                  <a:srgbClr val="FF0000"/>
+                </a:solidFill>
+              </a:rPr>
+              <a:t>continue</a:t>
+            </a:r>
+          </a:p>
+          <a:p>
+            <a:pPr>
+              <a:buNone/>
+            </a:pPr>
             <a:r>
               <a:rPr lang="en-US" dirty="0" smtClean="0"/>
-              <a:t>n+1</a:t>
-            </a:r>
-          </a:p>
-          <a:p>
-            <a:pPr>
-              <a:buNone/>
-            </a:pPr>
-            <a:r>
-              <a:rPr lang="en-US" dirty="0" smtClean="0"/>
-              <a:t> </a:t>
-            </a:r>
-            <a:r>
-              <a:rPr lang="en-US" dirty="0" smtClean="0"/>
-              <a:t>   if(n%2==0):</a:t>
-            </a:r>
-          </a:p>
-          <a:p>
-            <a:pPr>
-              <a:buNone/>
-            </a:pPr>
-            <a:r>
-              <a:rPr lang="en-US" dirty="0" smtClean="0"/>
-              <a:t>	</a:t>
-            </a:r>
-            <a:r>
-              <a:rPr lang="en-US" dirty="0" smtClean="0"/>
-              <a:t>	continue</a:t>
-            </a:r>
-          </a:p>
-          <a:p>
-            <a:pPr>
-              <a:buNone/>
-            </a:pPr>
-            <a:r>
-              <a:rPr lang="en-US" dirty="0" smtClean="0"/>
-              <a:t> </a:t>
-            </a:r>
-            <a:r>
-              <a:rPr lang="en-US" dirty="0" smtClean="0"/>
-              <a:t>   print(n)</a:t>
-            </a:r>
-            <a:endParaRPr lang="en-US" dirty="0" smtClean="0"/>
+              <a:t>    print(n)</a:t>
+            </a:r>
           </a:p>
           <a:p>
             <a:pPr>
@@ -7382,8 +7413,13 @@
             </a:pPr>
             <a:r>
               <a:rPr lang="en-US" sz="2600" dirty="0" smtClean="0"/>
-              <a:t>	statement-1</a:t>
-            </a:r>
+              <a:t>	</a:t>
+            </a:r>
+            <a:r>
+              <a:rPr lang="en-US" sz="2600" dirty="0" smtClean="0"/>
+              <a:t>statement-2</a:t>
+            </a:r>
+            <a:endParaRPr lang="en-US" sz="2600" dirty="0" smtClean="0"/>
           </a:p>
           <a:p>
             <a:pPr>
@@ -7608,19 +7644,11 @@
               <a:buNone/>
             </a:pPr>
             <a:r>
-              <a:rPr lang="en-US" sz="2200" dirty="0">
-                <a:solidFill>
-                  <a:srgbClr val="FF0000"/>
-                </a:solidFill>
-              </a:rPr>
+              <a:rPr lang="en-US" sz="2200" dirty="0"/>
               <a:t>n</a:t>
             </a:r>
             <a:r>
-              <a:rPr lang="en-US" sz="2200" dirty="0" smtClean="0">
-                <a:solidFill>
-                  <a:srgbClr val="FF0000"/>
-                </a:solidFill>
-              </a:rPr>
+              <a:rPr lang="en-US" sz="2200" dirty="0" smtClean="0"/>
               <a:t>=5</a:t>
             </a:r>
           </a:p>
@@ -7642,7 +7670,19 @@
                   <a:srgbClr val="FF0000"/>
                 </a:solidFill>
               </a:rPr>
-              <a:t>hile(n&gt;0):</a:t>
+              <a:t>hile</a:t>
+            </a:r>
+            <a:r>
+              <a:rPr lang="en-US" sz="2200" dirty="0" smtClean="0"/>
+              <a:t>(n&gt;0)</a:t>
+            </a:r>
+            <a:r>
+              <a:rPr lang="en-US" sz="2200" dirty="0" smtClean="0">
+                <a:solidFill>
+                  <a:srgbClr val="FF0000"/>
+                </a:solidFill>
+              </a:rPr>
+              <a:t>:</a:t>
             </a:r>
           </a:p>
           <a:p>
@@ -7658,12 +7698,34 @@
               <a:t>	</a:t>
             </a:r>
             <a:r>
+              <a:rPr lang="en-US" sz="2200" dirty="0" smtClean="0"/>
+              <a:t>print(‘Hello Class –”,n)</a:t>
+            </a:r>
+          </a:p>
+          <a:p>
+            <a:pPr>
+              <a:buNone/>
+            </a:pPr>
+            <a:r>
+              <a:rPr lang="en-US" sz="2200" dirty="0"/>
+              <a:t>	</a:t>
+            </a:r>
+            <a:r>
+              <a:rPr lang="en-US" sz="2200" dirty="0" smtClean="0"/>
+              <a:t>n= n-1</a:t>
+            </a:r>
+          </a:p>
+          <a:p>
+            <a:pPr>
+              <a:buNone/>
+            </a:pPr>
+            <a:r>
               <a:rPr lang="en-US" sz="2200" dirty="0" smtClean="0">
                 <a:solidFill>
                   <a:srgbClr val="FF0000"/>
                 </a:solidFill>
               </a:rPr>
-              <a:t>print(‘Hello Class –”,n)</a:t>
+              <a:t>else:</a:t>
             </a:r>
           </a:p>
           <a:p>
@@ -7679,45 +7741,7 @@
               <a:t>	</a:t>
             </a:r>
             <a:r>
-              <a:rPr lang="en-US" sz="2200" dirty="0" smtClean="0">
-                <a:solidFill>
-                  <a:srgbClr val="FF0000"/>
-                </a:solidFill>
-              </a:rPr>
-              <a:t>n= n-1</a:t>
-            </a:r>
-          </a:p>
-          <a:p>
-            <a:pPr>
-              <a:buNone/>
-            </a:pPr>
-            <a:r>
-              <a:rPr lang="en-US" sz="2200" dirty="0" smtClean="0">
-                <a:solidFill>
-                  <a:srgbClr val="FF0000"/>
-                </a:solidFill>
-              </a:rPr>
-              <a:t>else:</a:t>
-            </a:r>
-          </a:p>
-          <a:p>
-            <a:pPr>
-              <a:buNone/>
-            </a:pPr>
-            <a:r>
-              <a:rPr lang="en-US" sz="2200" dirty="0">
-                <a:solidFill>
-                  <a:srgbClr val="FF0000"/>
-                </a:solidFill>
-              </a:rPr>
-              <a:t>	</a:t>
-            </a:r>
-            <a:r>
-              <a:rPr lang="en-US" sz="2200" dirty="0" smtClean="0">
-                <a:solidFill>
-                  <a:srgbClr val="FF0000"/>
-                </a:solidFill>
-              </a:rPr>
+              <a:rPr lang="en-US" sz="2200" dirty="0" smtClean="0"/>
               <a:t>print(‘Done’)</a:t>
             </a:r>
           </a:p>
@@ -7861,7 +7885,19 @@
           <a:p>
             <a:r>
               <a:rPr lang="en-US" dirty="0" smtClean="0"/>
-              <a:t>While(True):</a:t>
+              <a:t>While(</a:t>
+            </a:r>
+            <a:r>
+              <a:rPr lang="en-US" dirty="0" smtClean="0">
+                <a:solidFill>
+                  <a:srgbClr val="FF0000"/>
+                </a:solidFill>
+              </a:rPr>
+              <a:t>True</a:t>
+            </a:r>
+            <a:r>
+              <a:rPr lang="en-US" dirty="0" smtClean="0"/>
+              <a:t>):</a:t>
             </a:r>
           </a:p>
           <a:p>
@@ -8975,7 +9011,15 @@
             </a:pPr>
             <a:r>
               <a:rPr lang="en-US" sz="2400" dirty="0" smtClean="0"/>
-              <a:t>For, else 		        : Keywords</a:t>
+              <a:t>f</a:t>
+            </a:r>
+            <a:r>
+              <a:rPr lang="en-US" sz="2400" dirty="0" smtClean="0"/>
+              <a:t>or</a:t>
+            </a:r>
+            <a:r>
+              <a:rPr lang="en-US" sz="2400" dirty="0" smtClean="0"/>
+              <a:t>, else 		        : Keywords</a:t>
             </a:r>
           </a:p>
           <a:p>
@@ -9005,7 +9049,23 @@
                   <a:srgbClr val="FF0000"/>
                 </a:solidFill>
               </a:rPr>
-              <a:t>Else			          :	Totally optional</a:t>
+              <a:t>e</a:t>
+            </a:r>
+            <a:r>
+              <a:rPr lang="en-US" sz="2400" dirty="0" smtClean="0">
+                <a:solidFill>
+                  <a:srgbClr val="FF0000"/>
+                </a:solidFill>
+              </a:rPr>
+              <a:t>lse</a:t>
+            </a:r>
+            <a:r>
+              <a:rPr lang="en-US" sz="2400" dirty="0" smtClean="0">
+                <a:solidFill>
+                  <a:srgbClr val="FF0000"/>
+                </a:solidFill>
+              </a:rPr>
+              <a:t>			          :	Totally optional</a:t>
             </a:r>
             <a:endParaRPr lang="en-US" sz="2400" dirty="0">
               <a:solidFill>
@@ -9114,7 +9174,11 @@
           <a:lstStyle/>
           <a:p>
             <a:r>
-              <a:rPr lang="en-US" dirty="0" smtClean="0"/>
+              <a:rPr lang="en-US" dirty="0" smtClean="0">
+                <a:solidFill>
+                  <a:srgbClr val="FF0000"/>
+                </a:solidFill>
+              </a:rPr>
               <a:t>Example-1</a:t>
             </a:r>
           </a:p>
@@ -9163,7 +9227,11 @@
           <a:lstStyle/>
           <a:p>
             <a:r>
-              <a:rPr lang="en-US" dirty="0" smtClean="0"/>
+              <a:rPr lang="en-US" dirty="0" smtClean="0">
+                <a:solidFill>
+                  <a:srgbClr val="FF0000"/>
+                </a:solidFill>
+              </a:rPr>
               <a:t>Example-2</a:t>
             </a:r>
           </a:p>
@@ -9209,7 +9277,11 @@
           <a:lstStyle/>
           <a:p>
             <a:r>
-              <a:rPr lang="en-US" dirty="0" smtClean="0"/>
+              <a:rPr lang="en-US" dirty="0" smtClean="0">
+                <a:solidFill>
+                  <a:srgbClr val="FF0000"/>
+                </a:solidFill>
+              </a:rPr>
               <a:t>Example-3</a:t>
             </a:r>
           </a:p>
@@ -9329,7 +9401,7 @@
         </p:nvSpPr>
         <p:spPr>
           <a:xfrm>
-            <a:off x="304800" y="1676400"/>
+            <a:off x="304800" y="1752600"/>
             <a:ext cx="4800600" cy="4952999"/>
           </a:xfrm>
         </p:spPr>
@@ -9654,7 +9726,15 @@
             </a:pPr>
             <a:r>
               <a:rPr lang="en-US" sz="2400" dirty="0" smtClean="0"/>
-              <a:t>F = 1</a:t>
+              <a:t>f</a:t>
+            </a:r>
+            <a:r>
+              <a:rPr lang="en-US" sz="2400" dirty="0" smtClean="0"/>
+              <a:t> </a:t>
+            </a:r>
+            <a:r>
+              <a:rPr lang="en-US" sz="2400" dirty="0" smtClean="0"/>
+              <a:t>= 1</a:t>
             </a:r>
           </a:p>
           <a:p>
@@ -9721,7 +9801,19 @@
             </a:r>
             <a:r>
               <a:rPr lang="en-US" sz="2400" dirty="0" smtClean="0"/>
-              <a:t>or I in range (1,6):</a:t>
+              <a:t>or </a:t>
+            </a:r>
+            <a:r>
+              <a:rPr lang="en-US" sz="2400" dirty="0" err="1" smtClean="0"/>
+              <a:t>i</a:t>
+            </a:r>
+            <a:r>
+              <a:rPr lang="en-US" sz="2400" dirty="0" smtClean="0"/>
+              <a:t> </a:t>
+            </a:r>
+            <a:r>
+              <a:rPr lang="en-US" sz="2400" dirty="0" smtClean="0"/>
+              <a:t>in range (1,6):</a:t>
             </a:r>
           </a:p>
           <a:p>
